--- a/fig1_together.pptx
+++ b/fig1_together.pptx
@@ -5,16 +5,15 @@
     <p:sldMasterId id="2147483648" r:id="rId1"/>
   </p:sldMasterIdLst>
   <p:notesMasterIdLst>
-    <p:notesMasterId r:id="rId6"/>
+    <p:notesMasterId r:id="rId5"/>
   </p:notesMasterIdLst>
   <p:handoutMasterIdLst>
-    <p:handoutMasterId r:id="rId7"/>
+    <p:handoutMasterId r:id="rId6"/>
   </p:handoutMasterIdLst>
   <p:sldIdLst>
     <p:sldId id="260" r:id="rId2"/>
     <p:sldId id="258" r:id="rId3"/>
     <p:sldId id="259" r:id="rId4"/>
-    <p:sldId id="256" r:id="rId5"/>
   </p:sldIdLst>
   <p:sldSz cx="10080625" cy="5670550"/>
   <p:notesSz cx="7772400" cy="10058400"/>
@@ -889,153 +888,6 @@
     </a:lvl9pPr>
   </p:notesStyle>
 </p:notesMaster>
-</file>
-
-<file path=ppt/notesSlides/notesSlide1.xml><?xml version="1.0" encoding="utf-8"?>
-<p:notes xmlns:a="http://schemas.openxmlformats.org/drawingml/2006/main" xmlns:r="http://schemas.openxmlformats.org/officeDocument/2006/relationships" xmlns:p="http://schemas.openxmlformats.org/presentationml/2006/main">
-  <p:cSld>
-    <p:spTree>
-      <p:nvGrpSpPr>
-        <p:cNvPr id="1" name=""/>
-        <p:cNvGrpSpPr/>
-        <p:nvPr/>
-      </p:nvGrpSpPr>
-      <p:grpSpPr>
-        <a:xfrm>
-          <a:off x="0" y="0"/>
-          <a:ext cx="0" cy="0"/>
-          <a:chOff x="0" y="0"/>
-          <a:chExt cx="0" cy="0"/>
-        </a:xfrm>
-      </p:grpSpPr>
-      <p:sp>
-        <p:nvSpPr>
-          <p:cNvPr id="2" name="Slide Number Placeholder 6">
-            <a:extLst>
-              <a:ext uri="{FF2B5EF4-FFF2-40B4-BE49-F238E27FC236}">
-                <a16:creationId xmlns:a16="http://schemas.microsoft.com/office/drawing/2014/main" id="{58534701-F488-BD37-0E74-C9B04803D143}"/>
-              </a:ext>
-            </a:extLst>
-          </p:cNvPr>
-          <p:cNvSpPr txBox="1"/>
-          <p:nvPr/>
-        </p:nvSpPr>
-        <p:spPr>
-          <a:xfrm>
-            <a:off x="4399196" y="9555480"/>
-            <a:ext cx="3372837" cy="502563"/>
-          </a:xfrm>
-          <a:prstGeom prst="rect">
-            <a:avLst/>
-          </a:prstGeom>
-          <a:noFill/>
-          <a:ln cap="flat">
-            <a:noFill/>
-          </a:ln>
-        </p:spPr>
-        <p:txBody>
-          <a:bodyPr vert="horz" wrap="square" lIns="0" tIns="0" rIns="0" bIns="0" anchor="b" anchorCtr="0" compatLnSpc="1">
-            <a:noAutofit/>
-          </a:bodyPr>
-          <a:lstStyle/>
-          <a:p>
-            <a:pPr marL="0" marR="0" lvl="0" indent="0" algn="r" defTabSz="914400" rtl="0" fontAlgn="auto" hangingPunct="0">
-              <a:lnSpc>
-                <a:spcPct val="100000"/>
-              </a:lnSpc>
-              <a:spcBef>
-                <a:spcPts val="0"/>
-              </a:spcBef>
-              <a:spcAft>
-                <a:spcPts val="0"/>
-              </a:spcAft>
-              <a:buNone/>
-              <a:tabLst/>
-              <a:defRPr sz="1800" b="0" i="0" u="none" strike="noStrike" kern="0" cap="none" spc="0" baseline="0">
-                <a:solidFill>
-                  <a:srgbClr val="000000"/>
-                </a:solidFill>
-                <a:uFillTx/>
-              </a:defRPr>
-            </a:pPr>
-            <a:fld id="{1F64D88E-5B9F-461A-89DD-E64F5E2E9542}" type="slidenum">
-              <a:t>4</a:t>
-            </a:fld>
-            <a:endParaRPr lang="en-IN" sz="1400" b="0" i="0" u="none" strike="noStrike" kern="1200" cap="none" spc="0" baseline="0">
-              <a:solidFill>
-                <a:srgbClr val="000000"/>
-              </a:solidFill>
-              <a:uFillTx/>
-              <a:latin typeface="Liberation Serif" pitchFamily="18"/>
-              <a:ea typeface="DejaVu Sans" pitchFamily="2"/>
-              <a:cs typeface="DejaVu Sans" pitchFamily="2"/>
-            </a:endParaRPr>
-          </a:p>
-        </p:txBody>
-      </p:sp>
-      <p:sp>
-        <p:nvSpPr>
-          <p:cNvPr id="3" name="Slide Image Placeholder 1">
-            <a:extLst>
-              <a:ext uri="{FF2B5EF4-FFF2-40B4-BE49-F238E27FC236}">
-                <a16:creationId xmlns:a16="http://schemas.microsoft.com/office/drawing/2014/main" id="{0ADF4863-6C27-9275-FAFE-DC162431E184}"/>
-              </a:ext>
-            </a:extLst>
-          </p:cNvPr>
-          <p:cNvSpPr>
-            <a:spLocks noGrp="1" noRot="1" noChangeAspect="1"/>
-          </p:cNvSpPr>
-          <p:nvPr>
-            <p:ph type="sldImg"/>
-          </p:nvPr>
-        </p:nvSpPr>
-        <p:spPr>
-          <a:xfrm>
-            <a:off x="533396" y="763588"/>
-            <a:ext cx="6704015" cy="3771899"/>
-          </a:xfrm>
-          <a:solidFill>
-            <a:srgbClr val="729FCF"/>
-          </a:solidFill>
-          <a:ln w="25402">
-            <a:solidFill>
-              <a:srgbClr val="3465A4"/>
-            </a:solidFill>
-            <a:prstDash val="solid"/>
-          </a:ln>
-        </p:spPr>
-      </p:sp>
-      <p:sp>
-        <p:nvSpPr>
-          <p:cNvPr id="4" name="Notes Placeholder 2">
-            <a:extLst>
-              <a:ext uri="{FF2B5EF4-FFF2-40B4-BE49-F238E27FC236}">
-                <a16:creationId xmlns:a16="http://schemas.microsoft.com/office/drawing/2014/main" id="{163B37B1-D0C8-7BFF-336E-812E359F751C}"/>
-              </a:ext>
-            </a:extLst>
-          </p:cNvPr>
-          <p:cNvSpPr txBox="1">
-            <a:spLocks noGrp="1"/>
-          </p:cNvSpPr>
-          <p:nvPr>
-            <p:ph type="body" sz="quarter" idx="1"/>
-          </p:nvPr>
-        </p:nvSpPr>
-        <p:spPr/>
-        <p:txBody>
-          <a:bodyPr/>
-          <a:lstStyle/>
-          <a:p>
-            <a:endParaRPr lang="en-US"/>
-          </a:p>
-        </p:txBody>
-      </p:sp>
-    </p:spTree>
-  </p:cSld>
-  <p:clrMapOvr>
-    <a:masterClrMapping/>
-  </p:clrMapOvr>
-</p:notes>
 </file>
 
 <file path=ppt/slideLayouts/slideLayout1.xml><?xml version="1.0" encoding="utf-8"?>
@@ -10672,1716 +10524,6 @@
 </p:sld>
 </file>
 
-<file path=ppt/slides/slide4.xml><?xml version="1.0" encoding="utf-8"?>
-<p:sld xmlns:a="http://schemas.openxmlformats.org/drawingml/2006/main" xmlns:r="http://schemas.openxmlformats.org/officeDocument/2006/relationships" xmlns:p="http://schemas.openxmlformats.org/presentationml/2006/main" show="0">
-  <p:cSld name="page1">
-    <p:spTree>
-      <p:nvGrpSpPr>
-        <p:cNvPr id="1" name=""/>
-        <p:cNvGrpSpPr/>
-        <p:nvPr/>
-      </p:nvGrpSpPr>
-      <p:grpSpPr>
-        <a:xfrm>
-          <a:off x="0" y="0"/>
-          <a:ext cx="0" cy="0"/>
-          <a:chOff x="0" y="0"/>
-          <a:chExt cx="0" cy="0"/>
-        </a:xfrm>
-      </p:grpSpPr>
-      <p:pic>
-        <p:nvPicPr>
-          <p:cNvPr id="2" name="Picture 1">
-            <a:extLst>
-              <a:ext uri="{FF2B5EF4-FFF2-40B4-BE49-F238E27FC236}">
-                <a16:creationId xmlns:a16="http://schemas.microsoft.com/office/drawing/2014/main" id="{9E06AFE4-E679-3DE2-08CC-EC5B7DC8E33F}"/>
-              </a:ext>
-            </a:extLst>
-          </p:cNvPr>
-          <p:cNvPicPr>
-            <a:picLocks noChangeAspect="1"/>
-          </p:cNvPicPr>
-          <p:nvPr/>
-        </p:nvPicPr>
-        <p:blipFill>
-          <a:blip r:embed="rId3">
-            <a:lum/>
-            <a:alphaModFix/>
-          </a:blip>
-          <a:srcRect/>
-          <a:stretch>
-            <a:fillRect/>
-          </a:stretch>
-        </p:blipFill>
-        <p:spPr>
-          <a:xfrm>
-            <a:off x="1943639" y="2928237"/>
-            <a:ext cx="6552361" cy="1247762"/>
-          </a:xfrm>
-          <a:prstGeom prst="rect">
-            <a:avLst/>
-          </a:prstGeom>
-          <a:noFill/>
-          <a:ln cap="flat">
-            <a:noFill/>
-          </a:ln>
-        </p:spPr>
-      </p:pic>
-      <p:sp>
-        <p:nvSpPr>
-          <p:cNvPr id="3" name="Straight Connector 2">
-            <a:extLst>
-              <a:ext uri="{FF2B5EF4-FFF2-40B4-BE49-F238E27FC236}">
-                <a16:creationId xmlns:a16="http://schemas.microsoft.com/office/drawing/2014/main" id="{7FE7B964-26B3-6499-E82A-97ED9AC5028C}"/>
-              </a:ext>
-            </a:extLst>
-          </p:cNvPr>
-          <p:cNvSpPr/>
-          <p:nvPr/>
-        </p:nvSpPr>
-        <p:spPr>
-          <a:xfrm>
-            <a:off x="2916003" y="2844003"/>
-            <a:ext cx="5615997" cy="575998"/>
-          </a:xfrm>
-          <a:custGeom>
-            <a:avLst/>
-            <a:gdLst>
-              <a:gd name="f0" fmla="val 10800000"/>
-              <a:gd name="f1" fmla="val 5400000"/>
-              <a:gd name="f2" fmla="val 180"/>
-              <a:gd name="f3" fmla="val w"/>
-              <a:gd name="f4" fmla="val h"/>
-              <a:gd name="f5" fmla="val ss"/>
-              <a:gd name="f6" fmla="val 0"/>
-              <a:gd name="f7" fmla="+- 0 0 -180"/>
-              <a:gd name="f8" fmla="+- 0 0 -360"/>
-              <a:gd name="f9" fmla="abs f3"/>
-              <a:gd name="f10" fmla="abs f4"/>
-              <a:gd name="f11" fmla="abs f5"/>
-              <a:gd name="f12" fmla="val f6"/>
-              <a:gd name="f13" fmla="*/ f7 f0 1"/>
-              <a:gd name="f14" fmla="*/ f8 f0 1"/>
-              <a:gd name="f15" fmla="?: f9 f3 1"/>
-              <a:gd name="f16" fmla="?: f10 f4 1"/>
-              <a:gd name="f17" fmla="?: f11 f5 1"/>
-              <a:gd name="f18" fmla="*/ f13 1 f2"/>
-              <a:gd name="f19" fmla="*/ f14 1 f2"/>
-              <a:gd name="f20" fmla="*/ f15 1 21600"/>
-              <a:gd name="f21" fmla="*/ f16 1 21600"/>
-              <a:gd name="f22" fmla="*/ 21600 f15 1"/>
-              <a:gd name="f23" fmla="*/ 21600 f16 1"/>
-              <a:gd name="f24" fmla="+- f18 0 f1"/>
-              <a:gd name="f25" fmla="+- f19 0 f1"/>
-              <a:gd name="f26" fmla="min f21 f20"/>
-              <a:gd name="f27" fmla="*/ f22 1 f17"/>
-              <a:gd name="f28" fmla="*/ f23 1 f17"/>
-              <a:gd name="f29" fmla="val f27"/>
-              <a:gd name="f30" fmla="val f28"/>
-              <a:gd name="f31" fmla="*/ f6 f26 1"/>
-              <a:gd name="f32" fmla="*/ f27 f26 1"/>
-              <a:gd name="f33" fmla="*/ f28 f26 1"/>
-              <a:gd name="f34" fmla="*/ f12 f26 1"/>
-              <a:gd name="f35" fmla="*/ f29 f26 1"/>
-              <a:gd name="f36" fmla="*/ f30 f26 1"/>
-            </a:gdLst>
-            <a:ahLst/>
-            <a:cxnLst>
-              <a:cxn ang="3cd4">
-                <a:pos x="hc" y="t"/>
-              </a:cxn>
-              <a:cxn ang="0">
-                <a:pos x="r" y="vc"/>
-              </a:cxn>
-              <a:cxn ang="cd4">
-                <a:pos x="hc" y="b"/>
-              </a:cxn>
-              <a:cxn ang="cd2">
-                <a:pos x="l" y="vc"/>
-              </a:cxn>
-              <a:cxn ang="f24">
-                <a:pos x="f34" y="f34"/>
-              </a:cxn>
-              <a:cxn ang="f25">
-                <a:pos x="f35" y="f36"/>
-              </a:cxn>
-            </a:cxnLst>
-            <a:rect l="f31" t="f31" r="f32" b="f33"/>
-            <a:pathLst>
-              <a:path>
-                <a:moveTo>
-                  <a:pt x="f34" y="f34"/>
-                </a:moveTo>
-                <a:lnTo>
-                  <a:pt x="f35" y="f36"/>
-                </a:lnTo>
-              </a:path>
-            </a:pathLst>
-          </a:custGeom>
-          <a:noFill/>
-          <a:ln w="12600" cap="flat">
-            <a:solidFill>
-              <a:srgbClr val="666666"/>
-            </a:solidFill>
-            <a:prstDash val="solid"/>
-            <a:miter/>
-            <a:headEnd type="arrow"/>
-            <a:tailEnd type="arrow"/>
-          </a:ln>
-        </p:spPr>
-        <p:txBody>
-          <a:bodyPr vert="horz" wrap="none" lIns="96478" tIns="51480" rIns="96478" bIns="51480" anchor="ctr" anchorCtr="0" compatLnSpc="0">
-            <a:noAutofit/>
-          </a:bodyPr>
-          <a:lstStyle/>
-          <a:p>
-            <a:pPr marL="0" marR="0" lvl="0" indent="0" algn="l" defTabSz="914400" rtl="0" fontAlgn="auto" hangingPunct="0">
-              <a:lnSpc>
-                <a:spcPct val="100000"/>
-              </a:lnSpc>
-              <a:spcBef>
-                <a:spcPts val="0"/>
-              </a:spcBef>
-              <a:spcAft>
-                <a:spcPts val="0"/>
-              </a:spcAft>
-              <a:buNone/>
-              <a:tabLst/>
-              <a:defRPr sz="1800" b="0" i="0" u="none" strike="noStrike" kern="0" cap="none" spc="0" baseline="0">
-                <a:solidFill>
-                  <a:srgbClr val="000000"/>
-                </a:solidFill>
-                <a:uFillTx/>
-              </a:defRPr>
-            </a:pPr>
-            <a:endParaRPr lang="en-IN" sz="1800" b="0" i="0" u="none" strike="noStrike" kern="1200" cap="none" spc="0" baseline="0">
-              <a:solidFill>
-                <a:srgbClr val="000000"/>
-              </a:solidFill>
-              <a:uFillTx/>
-              <a:latin typeface="Liberation Sans" pitchFamily="18"/>
-              <a:ea typeface="Noto Sans CJK SC" pitchFamily="2"/>
-              <a:cs typeface="Lohit Devanagari" pitchFamily="2"/>
-            </a:endParaRPr>
-          </a:p>
-        </p:txBody>
-      </p:sp>
-      <p:sp>
-        <p:nvSpPr>
-          <p:cNvPr id="4" name="Straight Connector 3">
-            <a:extLst>
-              <a:ext uri="{FF2B5EF4-FFF2-40B4-BE49-F238E27FC236}">
-                <a16:creationId xmlns:a16="http://schemas.microsoft.com/office/drawing/2014/main" id="{86332112-B337-EAD7-0E59-CB713C5A3ADB}"/>
-              </a:ext>
-            </a:extLst>
-          </p:cNvPr>
-          <p:cNvSpPr/>
-          <p:nvPr/>
-        </p:nvSpPr>
-        <p:spPr>
-          <a:xfrm>
-            <a:off x="1871996" y="3672001"/>
-            <a:ext cx="1079997" cy="120243"/>
-          </a:xfrm>
-          <a:custGeom>
-            <a:avLst/>
-            <a:gdLst>
-              <a:gd name="f0" fmla="val 10800000"/>
-              <a:gd name="f1" fmla="val 5400000"/>
-              <a:gd name="f2" fmla="val 180"/>
-              <a:gd name="f3" fmla="val w"/>
-              <a:gd name="f4" fmla="val h"/>
-              <a:gd name="f5" fmla="val ss"/>
-              <a:gd name="f6" fmla="val 0"/>
-              <a:gd name="f7" fmla="+- 0 0 -180"/>
-              <a:gd name="f8" fmla="+- 0 0 -360"/>
-              <a:gd name="f9" fmla="abs f3"/>
-              <a:gd name="f10" fmla="abs f4"/>
-              <a:gd name="f11" fmla="abs f5"/>
-              <a:gd name="f12" fmla="val f6"/>
-              <a:gd name="f13" fmla="*/ f7 f0 1"/>
-              <a:gd name="f14" fmla="*/ f8 f0 1"/>
-              <a:gd name="f15" fmla="?: f9 f3 1"/>
-              <a:gd name="f16" fmla="?: f10 f4 1"/>
-              <a:gd name="f17" fmla="?: f11 f5 1"/>
-              <a:gd name="f18" fmla="*/ f13 1 f2"/>
-              <a:gd name="f19" fmla="*/ f14 1 f2"/>
-              <a:gd name="f20" fmla="*/ f15 1 21600"/>
-              <a:gd name="f21" fmla="*/ f16 1 21600"/>
-              <a:gd name="f22" fmla="*/ 21600 f15 1"/>
-              <a:gd name="f23" fmla="*/ 21600 f16 1"/>
-              <a:gd name="f24" fmla="+- f18 0 f1"/>
-              <a:gd name="f25" fmla="+- f19 0 f1"/>
-              <a:gd name="f26" fmla="min f21 f20"/>
-              <a:gd name="f27" fmla="*/ f22 1 f17"/>
-              <a:gd name="f28" fmla="*/ f23 1 f17"/>
-              <a:gd name="f29" fmla="val f27"/>
-              <a:gd name="f30" fmla="val f28"/>
-              <a:gd name="f31" fmla="*/ f6 f26 1"/>
-              <a:gd name="f32" fmla="*/ f27 f26 1"/>
-              <a:gd name="f33" fmla="*/ f28 f26 1"/>
-              <a:gd name="f34" fmla="*/ f12 f26 1"/>
-              <a:gd name="f35" fmla="*/ f29 f26 1"/>
-              <a:gd name="f36" fmla="*/ f30 f26 1"/>
-            </a:gdLst>
-            <a:ahLst/>
-            <a:cxnLst>
-              <a:cxn ang="3cd4">
-                <a:pos x="hc" y="t"/>
-              </a:cxn>
-              <a:cxn ang="0">
-                <a:pos x="r" y="vc"/>
-              </a:cxn>
-              <a:cxn ang="cd4">
-                <a:pos x="hc" y="b"/>
-              </a:cxn>
-              <a:cxn ang="cd2">
-                <a:pos x="l" y="vc"/>
-              </a:cxn>
-              <a:cxn ang="f24">
-                <a:pos x="f34" y="f34"/>
-              </a:cxn>
-              <a:cxn ang="f25">
-                <a:pos x="f35" y="f36"/>
-              </a:cxn>
-            </a:cxnLst>
-            <a:rect l="f31" t="f31" r="f32" b="f33"/>
-            <a:pathLst>
-              <a:path>
-                <a:moveTo>
-                  <a:pt x="f34" y="f34"/>
-                </a:moveTo>
-                <a:lnTo>
-                  <a:pt x="f35" y="f36"/>
-                </a:lnTo>
-              </a:path>
-            </a:pathLst>
-          </a:custGeom>
-          <a:noFill/>
-          <a:ln w="12600" cap="flat">
-            <a:solidFill>
-              <a:srgbClr val="666666"/>
-            </a:solidFill>
-            <a:prstDash val="solid"/>
-            <a:miter/>
-            <a:headEnd type="arrow"/>
-            <a:tailEnd type="arrow"/>
-          </a:ln>
-        </p:spPr>
-        <p:txBody>
-          <a:bodyPr vert="horz" wrap="none" lIns="96478" tIns="51480" rIns="96478" bIns="51480" anchor="ctr" anchorCtr="0" compatLnSpc="0">
-            <a:noAutofit/>
-          </a:bodyPr>
-          <a:lstStyle/>
-          <a:p>
-            <a:pPr marL="0" marR="0" lvl="0" indent="0" algn="l" defTabSz="914400" rtl="0" fontAlgn="auto" hangingPunct="0">
-              <a:lnSpc>
-                <a:spcPct val="100000"/>
-              </a:lnSpc>
-              <a:spcBef>
-                <a:spcPts val="0"/>
-              </a:spcBef>
-              <a:spcAft>
-                <a:spcPts val="0"/>
-              </a:spcAft>
-              <a:buNone/>
-              <a:tabLst/>
-              <a:defRPr sz="1800" b="0" i="0" u="none" strike="noStrike" kern="0" cap="none" spc="0" baseline="0">
-                <a:solidFill>
-                  <a:srgbClr val="000000"/>
-                </a:solidFill>
-                <a:uFillTx/>
-              </a:defRPr>
-            </a:pPr>
-            <a:endParaRPr lang="en-IN" sz="1800" b="0" i="0" u="none" strike="noStrike" kern="1200" cap="none" spc="0" baseline="0">
-              <a:solidFill>
-                <a:srgbClr val="000000"/>
-              </a:solidFill>
-              <a:uFillTx/>
-              <a:latin typeface="Liberation Sans" pitchFamily="18"/>
-              <a:ea typeface="Noto Sans CJK SC" pitchFamily="2"/>
-              <a:cs typeface="Lohit Devanagari" pitchFamily="2"/>
-            </a:endParaRPr>
-          </a:p>
-        </p:txBody>
-      </p:sp>
-      <p:sp>
-        <p:nvSpPr>
-          <p:cNvPr id="5" name="Straight Connector 4">
-            <a:extLst>
-              <a:ext uri="{FF2B5EF4-FFF2-40B4-BE49-F238E27FC236}">
-                <a16:creationId xmlns:a16="http://schemas.microsoft.com/office/drawing/2014/main" id="{0223A5EF-1F23-D2A0-7092-19071ABC7C2F}"/>
-              </a:ext>
-            </a:extLst>
-          </p:cNvPr>
-          <p:cNvSpPr/>
-          <p:nvPr/>
-        </p:nvSpPr>
-        <p:spPr>
-          <a:xfrm flipV="1">
-            <a:off x="7704002" y="3456002"/>
-            <a:ext cx="1007997" cy="719998"/>
-          </a:xfrm>
-          <a:custGeom>
-            <a:avLst/>
-            <a:gdLst>
-              <a:gd name="f0" fmla="val 10800000"/>
-              <a:gd name="f1" fmla="val 5400000"/>
-              <a:gd name="f2" fmla="val 180"/>
-              <a:gd name="f3" fmla="val w"/>
-              <a:gd name="f4" fmla="val h"/>
-              <a:gd name="f5" fmla="val ss"/>
-              <a:gd name="f6" fmla="val 0"/>
-              <a:gd name="f7" fmla="+- 0 0 -180"/>
-              <a:gd name="f8" fmla="+- 0 0 -360"/>
-              <a:gd name="f9" fmla="abs f3"/>
-              <a:gd name="f10" fmla="abs f4"/>
-              <a:gd name="f11" fmla="abs f5"/>
-              <a:gd name="f12" fmla="val f6"/>
-              <a:gd name="f13" fmla="*/ f7 f0 1"/>
-              <a:gd name="f14" fmla="*/ f8 f0 1"/>
-              <a:gd name="f15" fmla="?: f9 f3 1"/>
-              <a:gd name="f16" fmla="?: f10 f4 1"/>
-              <a:gd name="f17" fmla="?: f11 f5 1"/>
-              <a:gd name="f18" fmla="*/ f13 1 f2"/>
-              <a:gd name="f19" fmla="*/ f14 1 f2"/>
-              <a:gd name="f20" fmla="*/ f15 1 21600"/>
-              <a:gd name="f21" fmla="*/ f16 1 21600"/>
-              <a:gd name="f22" fmla="*/ 21600 f15 1"/>
-              <a:gd name="f23" fmla="*/ 21600 f16 1"/>
-              <a:gd name="f24" fmla="+- f18 0 f1"/>
-              <a:gd name="f25" fmla="+- f19 0 f1"/>
-              <a:gd name="f26" fmla="min f21 f20"/>
-              <a:gd name="f27" fmla="*/ f22 1 f17"/>
-              <a:gd name="f28" fmla="*/ f23 1 f17"/>
-              <a:gd name="f29" fmla="val f27"/>
-              <a:gd name="f30" fmla="val f28"/>
-              <a:gd name="f31" fmla="*/ f6 f26 1"/>
-              <a:gd name="f32" fmla="*/ f27 f26 1"/>
-              <a:gd name="f33" fmla="*/ f28 f26 1"/>
-              <a:gd name="f34" fmla="*/ f12 f26 1"/>
-              <a:gd name="f35" fmla="*/ f29 f26 1"/>
-              <a:gd name="f36" fmla="*/ f30 f26 1"/>
-            </a:gdLst>
-            <a:ahLst/>
-            <a:cxnLst>
-              <a:cxn ang="3cd4">
-                <a:pos x="hc" y="t"/>
-              </a:cxn>
-              <a:cxn ang="0">
-                <a:pos x="r" y="vc"/>
-              </a:cxn>
-              <a:cxn ang="cd4">
-                <a:pos x="hc" y="b"/>
-              </a:cxn>
-              <a:cxn ang="cd2">
-                <a:pos x="l" y="vc"/>
-              </a:cxn>
-              <a:cxn ang="f24">
-                <a:pos x="f34" y="f34"/>
-              </a:cxn>
-              <a:cxn ang="f25">
-                <a:pos x="f35" y="f36"/>
-              </a:cxn>
-            </a:cxnLst>
-            <a:rect l="f31" t="f31" r="f32" b="f33"/>
-            <a:pathLst>
-              <a:path>
-                <a:moveTo>
-                  <a:pt x="f34" y="f34"/>
-                </a:moveTo>
-                <a:lnTo>
-                  <a:pt x="f35" y="f36"/>
-                </a:lnTo>
-              </a:path>
-            </a:pathLst>
-          </a:custGeom>
-          <a:noFill/>
-          <a:ln w="12600" cap="flat">
-            <a:solidFill>
-              <a:srgbClr val="666666"/>
-            </a:solidFill>
-            <a:prstDash val="solid"/>
-            <a:miter/>
-            <a:headEnd type="arrow"/>
-            <a:tailEnd type="arrow"/>
-          </a:ln>
-        </p:spPr>
-        <p:txBody>
-          <a:bodyPr vert="horz" wrap="none" lIns="96478" tIns="51480" rIns="96478" bIns="51480" anchor="ctr" anchorCtr="0" compatLnSpc="0">
-            <a:noAutofit/>
-          </a:bodyPr>
-          <a:lstStyle/>
-          <a:p>
-            <a:pPr marL="0" marR="0" lvl="0" indent="0" algn="l" defTabSz="914400" rtl="0" fontAlgn="auto" hangingPunct="0">
-              <a:lnSpc>
-                <a:spcPct val="100000"/>
-              </a:lnSpc>
-              <a:spcBef>
-                <a:spcPts val="0"/>
-              </a:spcBef>
-              <a:spcAft>
-                <a:spcPts val="0"/>
-              </a:spcAft>
-              <a:buNone/>
-              <a:tabLst/>
-              <a:defRPr sz="1800" b="0" i="0" u="none" strike="noStrike" kern="0" cap="none" spc="0" baseline="0">
-                <a:solidFill>
-                  <a:srgbClr val="000000"/>
-                </a:solidFill>
-                <a:uFillTx/>
-              </a:defRPr>
-            </a:pPr>
-            <a:endParaRPr lang="en-IN" sz="1800" b="0" i="0" u="none" strike="noStrike" kern="1200" cap="none" spc="0" baseline="0">
-              <a:solidFill>
-                <a:srgbClr val="000000"/>
-              </a:solidFill>
-              <a:uFillTx/>
-              <a:latin typeface="Liberation Sans" pitchFamily="18"/>
-              <a:ea typeface="Noto Sans CJK SC" pitchFamily="2"/>
-              <a:cs typeface="Lohit Devanagari" pitchFamily="2"/>
-            </a:endParaRPr>
-          </a:p>
-        </p:txBody>
-      </p:sp>
-      <p:sp>
-        <p:nvSpPr>
-          <p:cNvPr id="6" name="Straight Connector 5">
-            <a:extLst>
-              <a:ext uri="{FF2B5EF4-FFF2-40B4-BE49-F238E27FC236}">
-                <a16:creationId xmlns:a16="http://schemas.microsoft.com/office/drawing/2014/main" id="{6EB1FEEB-5A97-334A-8C3C-20BC93490D33}"/>
-              </a:ext>
-            </a:extLst>
-          </p:cNvPr>
-          <p:cNvSpPr/>
-          <p:nvPr/>
-        </p:nvSpPr>
-        <p:spPr>
-          <a:xfrm>
-            <a:off x="2664003" y="3240002"/>
-            <a:ext cx="6191996" cy="647998"/>
-          </a:xfrm>
-          <a:custGeom>
-            <a:avLst/>
-            <a:gdLst>
-              <a:gd name="f0" fmla="val 10800000"/>
-              <a:gd name="f1" fmla="val 5400000"/>
-              <a:gd name="f2" fmla="val 180"/>
-              <a:gd name="f3" fmla="val w"/>
-              <a:gd name="f4" fmla="val h"/>
-              <a:gd name="f5" fmla="val ss"/>
-              <a:gd name="f6" fmla="val 0"/>
-              <a:gd name="f7" fmla="+- 0 0 -180"/>
-              <a:gd name="f8" fmla="+- 0 0 -360"/>
-              <a:gd name="f9" fmla="abs f3"/>
-              <a:gd name="f10" fmla="abs f4"/>
-              <a:gd name="f11" fmla="abs f5"/>
-              <a:gd name="f12" fmla="val f6"/>
-              <a:gd name="f13" fmla="*/ f7 f0 1"/>
-              <a:gd name="f14" fmla="*/ f8 f0 1"/>
-              <a:gd name="f15" fmla="?: f9 f3 1"/>
-              <a:gd name="f16" fmla="?: f10 f4 1"/>
-              <a:gd name="f17" fmla="?: f11 f5 1"/>
-              <a:gd name="f18" fmla="*/ f13 1 f2"/>
-              <a:gd name="f19" fmla="*/ f14 1 f2"/>
-              <a:gd name="f20" fmla="*/ f15 1 21600"/>
-              <a:gd name="f21" fmla="*/ f16 1 21600"/>
-              <a:gd name="f22" fmla="*/ 21600 f15 1"/>
-              <a:gd name="f23" fmla="*/ 21600 f16 1"/>
-              <a:gd name="f24" fmla="+- f18 0 f1"/>
-              <a:gd name="f25" fmla="+- f19 0 f1"/>
-              <a:gd name="f26" fmla="min f21 f20"/>
-              <a:gd name="f27" fmla="*/ f22 1 f17"/>
-              <a:gd name="f28" fmla="*/ f23 1 f17"/>
-              <a:gd name="f29" fmla="val f27"/>
-              <a:gd name="f30" fmla="val f28"/>
-              <a:gd name="f31" fmla="*/ f6 f26 1"/>
-              <a:gd name="f32" fmla="*/ f27 f26 1"/>
-              <a:gd name="f33" fmla="*/ f28 f26 1"/>
-              <a:gd name="f34" fmla="*/ f12 f26 1"/>
-              <a:gd name="f35" fmla="*/ f29 f26 1"/>
-              <a:gd name="f36" fmla="*/ f30 f26 1"/>
-            </a:gdLst>
-            <a:ahLst/>
-            <a:cxnLst>
-              <a:cxn ang="3cd4">
-                <a:pos x="hc" y="t"/>
-              </a:cxn>
-              <a:cxn ang="0">
-                <a:pos x="r" y="vc"/>
-              </a:cxn>
-              <a:cxn ang="cd4">
-                <a:pos x="hc" y="b"/>
-              </a:cxn>
-              <a:cxn ang="cd2">
-                <a:pos x="l" y="vc"/>
-              </a:cxn>
-              <a:cxn ang="f24">
-                <a:pos x="f34" y="f34"/>
-              </a:cxn>
-              <a:cxn ang="f25">
-                <a:pos x="f35" y="f36"/>
-              </a:cxn>
-            </a:cxnLst>
-            <a:rect l="f31" t="f31" r="f32" b="f33"/>
-            <a:pathLst>
-              <a:path>
-                <a:moveTo>
-                  <a:pt x="f34" y="f34"/>
-                </a:moveTo>
-                <a:lnTo>
-                  <a:pt x="f35" y="f36"/>
-                </a:lnTo>
-              </a:path>
-            </a:pathLst>
-          </a:custGeom>
-          <a:noFill/>
-          <a:ln w="76315" cap="flat">
-            <a:solidFill>
-              <a:srgbClr val="1C1C1C">
-                <a:alpha val="40000"/>
-              </a:srgbClr>
-            </a:solidFill>
-            <a:custDash>
-              <a:ds d="197006" sp="197006"/>
-            </a:custDash>
-            <a:miter/>
-            <a:tailEnd type="arrow"/>
-          </a:ln>
-        </p:spPr>
-        <p:txBody>
-          <a:bodyPr vert="horz" wrap="none" lIns="127796" tIns="82798" rIns="127796" bIns="82798" anchor="ctr" anchorCtr="0" compatLnSpc="0">
-            <a:noAutofit/>
-          </a:bodyPr>
-          <a:lstStyle/>
-          <a:p>
-            <a:pPr marL="0" marR="0" lvl="0" indent="0" algn="l" defTabSz="914400" rtl="0" fontAlgn="auto" hangingPunct="0">
-              <a:lnSpc>
-                <a:spcPct val="100000"/>
-              </a:lnSpc>
-              <a:spcBef>
-                <a:spcPts val="0"/>
-              </a:spcBef>
-              <a:spcAft>
-                <a:spcPts val="0"/>
-              </a:spcAft>
-              <a:buNone/>
-              <a:tabLst/>
-              <a:defRPr sz="1800" b="0" i="0" u="none" strike="noStrike" kern="0" cap="none" spc="0" baseline="0">
-                <a:solidFill>
-                  <a:srgbClr val="000000"/>
-                </a:solidFill>
-                <a:uFillTx/>
-              </a:defRPr>
-            </a:pPr>
-            <a:endParaRPr lang="en-IN" sz="1800" b="0" i="0" u="none" strike="noStrike" kern="1200" cap="none" spc="0" baseline="0">
-              <a:solidFill>
-                <a:srgbClr val="000000"/>
-              </a:solidFill>
-              <a:uFillTx/>
-              <a:latin typeface="Liberation Sans" pitchFamily="18"/>
-              <a:ea typeface="Noto Sans CJK SC" pitchFamily="2"/>
-              <a:cs typeface="Lohit Devanagari" pitchFamily="2"/>
-            </a:endParaRPr>
-          </a:p>
-        </p:txBody>
-      </p:sp>
-      <p:sp>
-        <p:nvSpPr>
-          <p:cNvPr id="7" name="Straight Connector 6">
-            <a:extLst>
-              <a:ext uri="{FF2B5EF4-FFF2-40B4-BE49-F238E27FC236}">
-                <a16:creationId xmlns:a16="http://schemas.microsoft.com/office/drawing/2014/main" id="{DBBA14EF-3F22-7BFD-190C-6EA582FBFC1D}"/>
-              </a:ext>
-            </a:extLst>
-          </p:cNvPr>
-          <p:cNvSpPr/>
-          <p:nvPr/>
-        </p:nvSpPr>
-        <p:spPr>
-          <a:xfrm>
-            <a:off x="7632003" y="2448004"/>
-            <a:ext cx="0" cy="1079997"/>
-          </a:xfrm>
-          <a:custGeom>
-            <a:avLst/>
-            <a:gdLst>
-              <a:gd name="f0" fmla="val 10800000"/>
-              <a:gd name="f1" fmla="val 5400000"/>
-              <a:gd name="f2" fmla="val 180"/>
-              <a:gd name="f3" fmla="val w"/>
-              <a:gd name="f4" fmla="val h"/>
-              <a:gd name="f5" fmla="val ss"/>
-              <a:gd name="f6" fmla="val 0"/>
-              <a:gd name="f7" fmla="+- 0 0 -180"/>
-              <a:gd name="f8" fmla="+- 0 0 -360"/>
-              <a:gd name="f9" fmla="abs f3"/>
-              <a:gd name="f10" fmla="abs f4"/>
-              <a:gd name="f11" fmla="abs f5"/>
-              <a:gd name="f12" fmla="val f6"/>
-              <a:gd name="f13" fmla="*/ f7 f0 1"/>
-              <a:gd name="f14" fmla="*/ f8 f0 1"/>
-              <a:gd name="f15" fmla="?: f9 f3 1"/>
-              <a:gd name="f16" fmla="?: f10 f4 1"/>
-              <a:gd name="f17" fmla="?: f11 f5 1"/>
-              <a:gd name="f18" fmla="*/ f13 1 f2"/>
-              <a:gd name="f19" fmla="*/ f14 1 f2"/>
-              <a:gd name="f20" fmla="*/ f15 1 21600"/>
-              <a:gd name="f21" fmla="*/ f16 1 21600"/>
-              <a:gd name="f22" fmla="*/ 21600 f15 1"/>
-              <a:gd name="f23" fmla="*/ 21600 f16 1"/>
-              <a:gd name="f24" fmla="+- f18 0 f1"/>
-              <a:gd name="f25" fmla="+- f19 0 f1"/>
-              <a:gd name="f26" fmla="min f21 f20"/>
-              <a:gd name="f27" fmla="*/ f22 1 f17"/>
-              <a:gd name="f28" fmla="*/ f23 1 f17"/>
-              <a:gd name="f29" fmla="val f27"/>
-              <a:gd name="f30" fmla="val f28"/>
-              <a:gd name="f31" fmla="*/ f6 f26 1"/>
-              <a:gd name="f32" fmla="*/ f27 f26 1"/>
-              <a:gd name="f33" fmla="*/ f28 f26 1"/>
-              <a:gd name="f34" fmla="*/ f12 f26 1"/>
-              <a:gd name="f35" fmla="*/ f29 f26 1"/>
-              <a:gd name="f36" fmla="*/ f30 f26 1"/>
-            </a:gdLst>
-            <a:ahLst/>
-            <a:cxnLst>
-              <a:cxn ang="3cd4">
-                <a:pos x="hc" y="t"/>
-              </a:cxn>
-              <a:cxn ang="0">
-                <a:pos x="r" y="vc"/>
-              </a:cxn>
-              <a:cxn ang="cd4">
-                <a:pos x="hc" y="b"/>
-              </a:cxn>
-              <a:cxn ang="cd2">
-                <a:pos x="l" y="vc"/>
-              </a:cxn>
-              <a:cxn ang="f24">
-                <a:pos x="f34" y="f34"/>
-              </a:cxn>
-              <a:cxn ang="f25">
-                <a:pos x="f35" y="f36"/>
-              </a:cxn>
-            </a:cxnLst>
-            <a:rect l="f31" t="f31" r="f32" b="f33"/>
-            <a:pathLst>
-              <a:path>
-                <a:moveTo>
-                  <a:pt x="f34" y="f34"/>
-                </a:moveTo>
-                <a:lnTo>
-                  <a:pt x="f35" y="f36"/>
-                </a:lnTo>
-              </a:path>
-            </a:pathLst>
-          </a:custGeom>
-          <a:noFill/>
-          <a:ln w="57241" cap="flat">
-            <a:solidFill>
-              <a:srgbClr val="1C1C1C">
-                <a:alpha val="90000"/>
-              </a:srgbClr>
-            </a:solidFill>
-            <a:prstDash val="solid"/>
-            <a:miter/>
-            <a:tailEnd type="arrow"/>
-          </a:ln>
-        </p:spPr>
-        <p:txBody>
-          <a:bodyPr vert="horz" wrap="none" lIns="118442" tIns="73435" rIns="118442" bIns="73435" anchor="ctr" anchorCtr="0" compatLnSpc="0">
-            <a:noAutofit/>
-          </a:bodyPr>
-          <a:lstStyle/>
-          <a:p>
-            <a:pPr marL="0" marR="0" lvl="0" indent="0" algn="l" defTabSz="914400" rtl="0" fontAlgn="auto" hangingPunct="0">
-              <a:lnSpc>
-                <a:spcPct val="100000"/>
-              </a:lnSpc>
-              <a:spcBef>
-                <a:spcPts val="0"/>
-              </a:spcBef>
-              <a:spcAft>
-                <a:spcPts val="0"/>
-              </a:spcAft>
-              <a:buNone/>
-              <a:tabLst/>
-              <a:defRPr sz="1800" b="0" i="0" u="none" strike="noStrike" kern="0" cap="none" spc="0" baseline="0">
-                <a:solidFill>
-                  <a:srgbClr val="000000"/>
-                </a:solidFill>
-                <a:uFillTx/>
-              </a:defRPr>
-            </a:pPr>
-            <a:endParaRPr lang="en-IN" sz="1800" b="0" i="0" u="none" strike="noStrike" kern="1200" cap="none" spc="0" baseline="0">
-              <a:solidFill>
-                <a:srgbClr val="000000"/>
-              </a:solidFill>
-              <a:uFillTx/>
-              <a:latin typeface="Liberation Sans" pitchFamily="18"/>
-              <a:ea typeface="Noto Sans CJK SC" pitchFamily="2"/>
-              <a:cs typeface="Lohit Devanagari" pitchFamily="2"/>
-            </a:endParaRPr>
-          </a:p>
-        </p:txBody>
-      </p:sp>
-      <p:sp>
-        <p:nvSpPr>
-          <p:cNvPr id="8" name="Freeform: Shape 7">
-            <a:extLst>
-              <a:ext uri="{FF2B5EF4-FFF2-40B4-BE49-F238E27FC236}">
-                <a16:creationId xmlns:a16="http://schemas.microsoft.com/office/drawing/2014/main" id="{AD976433-D5F4-45E8-E185-CDF9278BE8AB}"/>
-              </a:ext>
-            </a:extLst>
-          </p:cNvPr>
-          <p:cNvSpPr/>
-          <p:nvPr/>
-        </p:nvSpPr>
-        <p:spPr>
-          <a:xfrm rot="837607">
-            <a:off x="2116260" y="2686278"/>
-            <a:ext cx="359999" cy="700558"/>
-          </a:xfrm>
-          <a:custGeom>
-            <a:avLst>
-              <a:gd name="f0" fmla="val 5400"/>
-            </a:avLst>
-            <a:gdLst>
-              <a:gd name="f1" fmla="val 10800000"/>
-              <a:gd name="f2" fmla="val 5400000"/>
-              <a:gd name="f3" fmla="val 180"/>
-              <a:gd name="f4" fmla="val w"/>
-              <a:gd name="f5" fmla="val h"/>
-              <a:gd name="f6" fmla="val 0"/>
-              <a:gd name="f7" fmla="val 88"/>
-              <a:gd name="f8" fmla="val 21600"/>
-              <a:gd name="f9" fmla="val 44"/>
-              <a:gd name="f10" fmla="val 10800"/>
-              <a:gd name="f11" fmla="val 20"/>
-              <a:gd name="f12" fmla="val 68"/>
-              <a:gd name="f13" fmla="val -2147483647"/>
-              <a:gd name="f14" fmla="val 2147483647"/>
-              <a:gd name="f15" fmla="+- 0 0 0"/>
-              <a:gd name="f16" fmla="*/ f4 1 88"/>
-              <a:gd name="f17" fmla="*/ f5 1 21600"/>
-              <a:gd name="f18" fmla="val f6"/>
-              <a:gd name="f19" fmla="val f7"/>
-              <a:gd name="f20" fmla="val f8"/>
-              <a:gd name="f21" fmla="pin 0 f0 10800"/>
-              <a:gd name="f22" fmla="*/ f15 f1 1"/>
-              <a:gd name="f23" fmla="+- f20 0 f18"/>
-              <a:gd name="f24" fmla="+- f19 0 f18"/>
-              <a:gd name="f25" fmla="val f21"/>
-              <a:gd name="f26" fmla="*/ 44 f16 1"/>
-              <a:gd name="f27" fmla="*/ f21 f17 1"/>
-              <a:gd name="f28" fmla="*/ f22 1 f3"/>
-              <a:gd name="f29" fmla="*/ f24 1 88"/>
-              <a:gd name="f30" fmla="*/ f23 1 21600"/>
-              <a:gd name="f31" fmla="*/ f25 2 1"/>
-              <a:gd name="f32" fmla="*/ f25 f17 1"/>
-              <a:gd name="f33" fmla="+- f28 0 f2"/>
-              <a:gd name="f34" fmla="*/ 0 f29 1"/>
-              <a:gd name="f35" fmla="*/ 88 f29 1"/>
-              <a:gd name="f36" fmla="*/ 44 f29 1"/>
-              <a:gd name="f37" fmla="*/ 0 f30 1"/>
-              <a:gd name="f38" fmla="*/ 10800 f30 1"/>
-              <a:gd name="f39" fmla="*/ 21600 f30 1"/>
-              <a:gd name="f40" fmla="*/ f31 1 4"/>
-              <a:gd name="f41" fmla="*/ f40 6 1"/>
-              <a:gd name="f42" fmla="+- 21600 0 f40"/>
-              <a:gd name="f43" fmla="*/ f36 1 f29"/>
-              <a:gd name="f44" fmla="*/ f37 1 f30"/>
-              <a:gd name="f45" fmla="*/ f34 1 f29"/>
-              <a:gd name="f46" fmla="*/ f38 1 f30"/>
-              <a:gd name="f47" fmla="*/ f39 1 f30"/>
-              <a:gd name="f48" fmla="*/ f35 1 f29"/>
-              <a:gd name="f49" fmla="*/ f41 1 11"/>
-              <a:gd name="f50" fmla="*/ f45 f16 1"/>
-              <a:gd name="f51" fmla="*/ f48 f16 1"/>
-              <a:gd name="f52" fmla="*/ f42 f17 1"/>
-              <a:gd name="f53" fmla="*/ f43 f16 1"/>
-              <a:gd name="f54" fmla="*/ f44 f17 1"/>
-              <a:gd name="f55" fmla="*/ f46 f17 1"/>
-              <a:gd name="f56" fmla="*/ f47 f17 1"/>
-              <a:gd name="f57" fmla="+- f40 0 f49"/>
-              <a:gd name="f58" fmla="+- f42 f49 0"/>
-              <a:gd name="f59" fmla="+- f40 f49 0"/>
-            </a:gdLst>
-            <a:ahLst>
-              <a:ahXY gdRefY="f0" minY="f6" maxY="f10">
-                <a:pos x="f26" y="f27"/>
-              </a:ahXY>
-            </a:ahLst>
-            <a:cxnLst>
-              <a:cxn ang="3cd4">
-                <a:pos x="hc" y="t"/>
-              </a:cxn>
-              <a:cxn ang="0">
-                <a:pos x="r" y="vc"/>
-              </a:cxn>
-              <a:cxn ang="cd4">
-                <a:pos x="hc" y="b"/>
-              </a:cxn>
-              <a:cxn ang="cd2">
-                <a:pos x="l" y="vc"/>
-              </a:cxn>
-              <a:cxn ang="f33">
-                <a:pos x="f53" y="f32"/>
-              </a:cxn>
-              <a:cxn ang="f33">
-                <a:pos x="f53" y="f54"/>
-              </a:cxn>
-              <a:cxn ang="f33">
-                <a:pos x="f50" y="f55"/>
-              </a:cxn>
-              <a:cxn ang="f33">
-                <a:pos x="f53" y="f56"/>
-              </a:cxn>
-              <a:cxn ang="f33">
-                <a:pos x="f51" y="f55"/>
-              </a:cxn>
-            </a:cxnLst>
-            <a:rect l="f50" t="f32" r="f51" b="f52"/>
-            <a:pathLst>
-              <a:path w="88" h="21600">
-                <a:moveTo>
-                  <a:pt x="f9" y="f6"/>
-                </a:moveTo>
-                <a:cubicBezTo>
-                  <a:pt x="f11" y="f6"/>
-                  <a:pt x="f6" y="f57"/>
-                  <a:pt x="f6" y="f40"/>
-                </a:cubicBezTo>
-                <a:lnTo>
-                  <a:pt x="f6" y="f42"/>
-                </a:lnTo>
-                <a:cubicBezTo>
-                  <a:pt x="f6" y="f58"/>
-                  <a:pt x="f11" y="f8"/>
-                  <a:pt x="f9" y="f8"/>
-                </a:cubicBezTo>
-                <a:cubicBezTo>
-                  <a:pt x="f12" y="f8"/>
-                  <a:pt x="f7" y="f58"/>
-                  <a:pt x="f7" y="f42"/>
-                </a:cubicBezTo>
-                <a:lnTo>
-                  <a:pt x="f7" y="f40"/>
-                </a:lnTo>
-                <a:cubicBezTo>
-                  <a:pt x="f7" y="f57"/>
-                  <a:pt x="f12" y="f6"/>
-                  <a:pt x="f9" y="f6"/>
-                </a:cubicBezTo>
-                <a:close/>
-              </a:path>
-              <a:path w="88" h="21600">
-                <a:moveTo>
-                  <a:pt x="f9" y="f6"/>
-                </a:moveTo>
-                <a:cubicBezTo>
-                  <a:pt x="f11" y="f6"/>
-                  <a:pt x="f6" y="f57"/>
-                  <a:pt x="f6" y="f40"/>
-                </a:cubicBezTo>
-                <a:cubicBezTo>
-                  <a:pt x="f6" y="f59"/>
-                  <a:pt x="f11" y="f25"/>
-                  <a:pt x="f9" y="f25"/>
-                </a:cubicBezTo>
-                <a:cubicBezTo>
-                  <a:pt x="f12" y="f25"/>
-                  <a:pt x="f7" y="f59"/>
-                  <a:pt x="f7" y="f40"/>
-                </a:cubicBezTo>
-                <a:cubicBezTo>
-                  <a:pt x="f7" y="f57"/>
-                  <a:pt x="f12" y="f6"/>
-                  <a:pt x="f9" y="f6"/>
-                </a:cubicBezTo>
-                <a:close/>
-              </a:path>
-            </a:pathLst>
-          </a:custGeom>
-          <a:solidFill>
-            <a:srgbClr val="C18408"/>
-          </a:solidFill>
-          <a:ln w="12600" cap="flat">
-            <a:solidFill>
-              <a:srgbClr val="333333"/>
-            </a:solidFill>
-            <a:prstDash val="solid"/>
-            <a:miter/>
-          </a:ln>
-        </p:spPr>
-        <p:txBody>
-          <a:bodyPr vert="horz" wrap="none" lIns="96121" tIns="51124" rIns="96121" bIns="51124" anchor="ctr" anchorCtr="0" compatLnSpc="0">
-            <a:noAutofit/>
-          </a:bodyPr>
-          <a:lstStyle/>
-          <a:p>
-            <a:pPr marL="0" marR="0" lvl="0" indent="0" algn="l" defTabSz="914400" rtl="0" fontAlgn="auto" hangingPunct="0">
-              <a:lnSpc>
-                <a:spcPct val="100000"/>
-              </a:lnSpc>
-              <a:spcBef>
-                <a:spcPts val="0"/>
-              </a:spcBef>
-              <a:spcAft>
-                <a:spcPts val="0"/>
-              </a:spcAft>
-              <a:buNone/>
-              <a:tabLst/>
-              <a:defRPr sz="1800" b="0" i="0" u="none" strike="noStrike" kern="0" cap="none" spc="0" baseline="0">
-                <a:solidFill>
-                  <a:srgbClr val="000000"/>
-                </a:solidFill>
-                <a:uFillTx/>
-              </a:defRPr>
-            </a:pPr>
-            <a:endParaRPr lang="en-IN" sz="1800" b="0" i="0" u="none" strike="noStrike" kern="1200" cap="none" spc="0" baseline="0">
-              <a:solidFill>
-                <a:srgbClr val="000000"/>
-              </a:solidFill>
-              <a:uFillTx/>
-              <a:latin typeface="Liberation Sans" pitchFamily="18"/>
-              <a:ea typeface="Noto Sans CJK SC" pitchFamily="2"/>
-              <a:cs typeface="Lohit Devanagari" pitchFamily="2"/>
-            </a:endParaRPr>
-          </a:p>
-        </p:txBody>
-      </p:sp>
-      <p:sp>
-        <p:nvSpPr>
-          <p:cNvPr id="9" name="Straight Connector 8">
-            <a:extLst>
-              <a:ext uri="{FF2B5EF4-FFF2-40B4-BE49-F238E27FC236}">
-                <a16:creationId xmlns:a16="http://schemas.microsoft.com/office/drawing/2014/main" id="{8A922D76-A4FE-FFE4-0CB1-E3BA7A850A5B}"/>
-              </a:ext>
-            </a:extLst>
-          </p:cNvPr>
-          <p:cNvSpPr/>
-          <p:nvPr/>
-        </p:nvSpPr>
-        <p:spPr>
-          <a:xfrm>
-            <a:off x="3312002" y="2448004"/>
-            <a:ext cx="0" cy="719998"/>
-          </a:xfrm>
-          <a:custGeom>
-            <a:avLst/>
-            <a:gdLst>
-              <a:gd name="f0" fmla="val 10800000"/>
-              <a:gd name="f1" fmla="val 5400000"/>
-              <a:gd name="f2" fmla="val 180"/>
-              <a:gd name="f3" fmla="val w"/>
-              <a:gd name="f4" fmla="val h"/>
-              <a:gd name="f5" fmla="val ss"/>
-              <a:gd name="f6" fmla="val 0"/>
-              <a:gd name="f7" fmla="+- 0 0 -180"/>
-              <a:gd name="f8" fmla="+- 0 0 -360"/>
-              <a:gd name="f9" fmla="abs f3"/>
-              <a:gd name="f10" fmla="abs f4"/>
-              <a:gd name="f11" fmla="abs f5"/>
-              <a:gd name="f12" fmla="val f6"/>
-              <a:gd name="f13" fmla="*/ f7 f0 1"/>
-              <a:gd name="f14" fmla="*/ f8 f0 1"/>
-              <a:gd name="f15" fmla="?: f9 f3 1"/>
-              <a:gd name="f16" fmla="?: f10 f4 1"/>
-              <a:gd name="f17" fmla="?: f11 f5 1"/>
-              <a:gd name="f18" fmla="*/ f13 1 f2"/>
-              <a:gd name="f19" fmla="*/ f14 1 f2"/>
-              <a:gd name="f20" fmla="*/ f15 1 21600"/>
-              <a:gd name="f21" fmla="*/ f16 1 21600"/>
-              <a:gd name="f22" fmla="*/ 21600 f15 1"/>
-              <a:gd name="f23" fmla="*/ 21600 f16 1"/>
-              <a:gd name="f24" fmla="+- f18 0 f1"/>
-              <a:gd name="f25" fmla="+- f19 0 f1"/>
-              <a:gd name="f26" fmla="min f21 f20"/>
-              <a:gd name="f27" fmla="*/ f22 1 f17"/>
-              <a:gd name="f28" fmla="*/ f23 1 f17"/>
-              <a:gd name="f29" fmla="val f27"/>
-              <a:gd name="f30" fmla="val f28"/>
-              <a:gd name="f31" fmla="*/ f6 f26 1"/>
-              <a:gd name="f32" fmla="*/ f27 f26 1"/>
-              <a:gd name="f33" fmla="*/ f28 f26 1"/>
-              <a:gd name="f34" fmla="*/ f12 f26 1"/>
-              <a:gd name="f35" fmla="*/ f29 f26 1"/>
-              <a:gd name="f36" fmla="*/ f30 f26 1"/>
-            </a:gdLst>
-            <a:ahLst/>
-            <a:cxnLst>
-              <a:cxn ang="3cd4">
-                <a:pos x="hc" y="t"/>
-              </a:cxn>
-              <a:cxn ang="0">
-                <a:pos x="r" y="vc"/>
-              </a:cxn>
-              <a:cxn ang="cd4">
-                <a:pos x="hc" y="b"/>
-              </a:cxn>
-              <a:cxn ang="cd2">
-                <a:pos x="l" y="vc"/>
-              </a:cxn>
-              <a:cxn ang="f24">
-                <a:pos x="f34" y="f34"/>
-              </a:cxn>
-              <a:cxn ang="f25">
-                <a:pos x="f35" y="f36"/>
-              </a:cxn>
-            </a:cxnLst>
-            <a:rect l="f31" t="f31" r="f32" b="f33"/>
-            <a:pathLst>
-              <a:path>
-                <a:moveTo>
-                  <a:pt x="f34" y="f34"/>
-                </a:moveTo>
-                <a:lnTo>
-                  <a:pt x="f35" y="f36"/>
-                </a:lnTo>
-              </a:path>
-            </a:pathLst>
-          </a:custGeom>
-          <a:noFill/>
-          <a:ln w="57241" cap="flat">
-            <a:solidFill>
-              <a:srgbClr val="1C1C1C">
-                <a:alpha val="90000"/>
-              </a:srgbClr>
-            </a:solidFill>
-            <a:prstDash val="solid"/>
-            <a:miter/>
-            <a:tailEnd type="arrow"/>
-          </a:ln>
-        </p:spPr>
-        <p:txBody>
-          <a:bodyPr vert="horz" wrap="none" lIns="118442" tIns="73435" rIns="118442" bIns="73435" anchor="ctr" anchorCtr="0" compatLnSpc="0">
-            <a:noAutofit/>
-          </a:bodyPr>
-          <a:lstStyle/>
-          <a:p>
-            <a:pPr marL="0" marR="0" lvl="0" indent="0" algn="l" defTabSz="914400" rtl="0" fontAlgn="auto" hangingPunct="0">
-              <a:lnSpc>
-                <a:spcPct val="100000"/>
-              </a:lnSpc>
-              <a:spcBef>
-                <a:spcPts val="0"/>
-              </a:spcBef>
-              <a:spcAft>
-                <a:spcPts val="0"/>
-              </a:spcAft>
-              <a:buNone/>
-              <a:tabLst/>
-              <a:defRPr sz="1800" b="0" i="0" u="none" strike="noStrike" kern="0" cap="none" spc="0" baseline="0">
-                <a:solidFill>
-                  <a:srgbClr val="000000"/>
-                </a:solidFill>
-                <a:uFillTx/>
-              </a:defRPr>
-            </a:pPr>
-            <a:endParaRPr lang="en-IN" sz="1800" b="0" i="0" u="none" strike="noStrike" kern="1200" cap="none" spc="0" baseline="0">
-              <a:solidFill>
-                <a:srgbClr val="000000"/>
-              </a:solidFill>
-              <a:uFillTx/>
-              <a:latin typeface="Liberation Sans" pitchFamily="18"/>
-              <a:ea typeface="Noto Sans CJK SC" pitchFamily="2"/>
-              <a:cs typeface="Lohit Devanagari" pitchFamily="2"/>
-            </a:endParaRPr>
-          </a:p>
-        </p:txBody>
-      </p:sp>
-      <p:sp>
-        <p:nvSpPr>
-          <p:cNvPr id="10" name="TextBox 9">
-            <a:extLst>
-              <a:ext uri="{FF2B5EF4-FFF2-40B4-BE49-F238E27FC236}">
-                <a16:creationId xmlns:a16="http://schemas.microsoft.com/office/drawing/2014/main" id="{AFC98871-23B2-F560-96BC-06B8CB260C3C}"/>
-              </a:ext>
-            </a:extLst>
-          </p:cNvPr>
-          <p:cNvSpPr txBox="1"/>
-          <p:nvPr/>
-        </p:nvSpPr>
-        <p:spPr>
-          <a:xfrm>
-            <a:off x="2324880" y="1951923"/>
-            <a:ext cx="2139119" cy="487082"/>
-          </a:xfrm>
-          <a:prstGeom prst="rect">
-            <a:avLst/>
-          </a:prstGeom>
-          <a:noFill/>
-          <a:ln cap="flat">
-            <a:noFill/>
-          </a:ln>
-        </p:spPr>
-        <p:txBody>
-          <a:bodyPr vert="horz" wrap="none" lIns="90004" tIns="44997" rIns="90004" bIns="44997" anchor="t" anchorCtr="1" compatLnSpc="0">
-            <a:spAutoFit/>
-          </a:bodyPr>
-          <a:lstStyle/>
-          <a:p>
-            <a:pPr marL="0" marR="0" lvl="0" indent="0" algn="ctr" defTabSz="914400" rtl="0" fontAlgn="auto" hangingPunct="0">
-              <a:lnSpc>
-                <a:spcPct val="100000"/>
-              </a:lnSpc>
-              <a:spcBef>
-                <a:spcPts val="0"/>
-              </a:spcBef>
-              <a:spcAft>
-                <a:spcPts val="0"/>
-              </a:spcAft>
-              <a:buNone/>
-              <a:tabLst/>
-              <a:defRPr sz="1200" b="1" i="0" u="none" strike="noStrike" kern="0" cap="none" spc="0" baseline="0">
-                <a:solidFill>
-                  <a:srgbClr val="000000"/>
-                </a:solidFill>
-                <a:uFillTx/>
-              </a:defRPr>
-            </a:pPr>
-            <a:r>
-              <a:rPr lang="en-IN" sz="1400" b="1" i="0" u="none" strike="noStrike" kern="1200" cap="none" spc="0" baseline="0">
-                <a:solidFill>
-                  <a:srgbClr val="000000"/>
-                </a:solidFill>
-                <a:uFillTx/>
-                <a:latin typeface="Liberation Sans" pitchFamily="18"/>
-                <a:ea typeface="Noto Sans CJK SC" pitchFamily="2"/>
-                <a:cs typeface="Lohit Devanagari" pitchFamily="2"/>
-              </a:rPr>
-              <a:t>stems with girth </a:t>
-            </a:r>
-            <a:r>
-              <a:rPr lang="en-IN" sz="1400" b="1" i="0" u="none" strike="noStrike" kern="1200" cap="none" spc="0" baseline="0">
-                <a:solidFill>
-                  <a:srgbClr val="000000"/>
-                </a:solidFill>
-                <a:uFillTx/>
-                <a:latin typeface="Liberation Sans" pitchFamily="34"/>
-                <a:ea typeface="Liberation Sans" pitchFamily="34"/>
-                <a:cs typeface="Liberation Sans" pitchFamily="34"/>
-              </a:rPr>
-              <a:t>≥</a:t>
-            </a:r>
-            <a:r>
-              <a:rPr lang="en-IN" sz="1400" b="1" i="0" u="none" strike="noStrike" kern="1200" cap="none" spc="0" baseline="0">
-                <a:solidFill>
-                  <a:srgbClr val="000000"/>
-                </a:solidFill>
-                <a:uFillTx/>
-                <a:latin typeface="Liberation Sans" pitchFamily="18"/>
-                <a:ea typeface="Noto Sans CJK SC" pitchFamily="2"/>
-                <a:cs typeface="Lohit Devanagari" pitchFamily="2"/>
-              </a:rPr>
-              <a:t>10cm</a:t>
-            </a:r>
-          </a:p>
-          <a:p>
-            <a:pPr marL="0" marR="0" lvl="0" indent="0" algn="ctr" defTabSz="914400" rtl="0" fontAlgn="auto" hangingPunct="0">
-              <a:lnSpc>
-                <a:spcPct val="100000"/>
-              </a:lnSpc>
-              <a:spcBef>
-                <a:spcPts val="0"/>
-              </a:spcBef>
-              <a:spcAft>
-                <a:spcPts val="0"/>
-              </a:spcAft>
-              <a:buNone/>
-              <a:tabLst/>
-              <a:defRPr sz="1200" b="1" i="0" u="none" strike="noStrike" kern="0" cap="none" spc="0" baseline="0">
-                <a:solidFill>
-                  <a:srgbClr val="000000"/>
-                </a:solidFill>
-                <a:uFillTx/>
-              </a:defRPr>
-            </a:pPr>
-            <a:r>
-              <a:rPr lang="en-IN" sz="1400" b="1" i="0" u="none" strike="noStrike" kern="1200" cap="none" spc="0" baseline="0">
-                <a:solidFill>
-                  <a:srgbClr val="000000"/>
-                </a:solidFill>
-                <a:uFillTx/>
-                <a:latin typeface="Liberation Sans" pitchFamily="18"/>
-                <a:ea typeface="Noto Sans CJK SC" pitchFamily="2"/>
-                <a:cs typeface="Lohit Devanagari" pitchFamily="2"/>
-              </a:rPr>
-              <a:t>recorded (0.01ha)</a:t>
-            </a:r>
-          </a:p>
-        </p:txBody>
-      </p:sp>
-      <p:sp>
-        <p:nvSpPr>
-          <p:cNvPr id="11" name="TextBox 10">
-            <a:extLst>
-              <a:ext uri="{FF2B5EF4-FFF2-40B4-BE49-F238E27FC236}">
-                <a16:creationId xmlns:a16="http://schemas.microsoft.com/office/drawing/2014/main" id="{3186F29F-8EAB-6B3A-C410-1487BE33DB42}"/>
-              </a:ext>
-            </a:extLst>
-          </p:cNvPr>
-          <p:cNvSpPr txBox="1"/>
-          <p:nvPr/>
-        </p:nvSpPr>
-        <p:spPr>
-          <a:xfrm>
-            <a:off x="6754681" y="2015995"/>
-            <a:ext cx="2138763" cy="487082"/>
-          </a:xfrm>
-          <a:prstGeom prst="rect">
-            <a:avLst/>
-          </a:prstGeom>
-          <a:noFill/>
-          <a:ln cap="flat">
-            <a:noFill/>
-          </a:ln>
-        </p:spPr>
-        <p:txBody>
-          <a:bodyPr vert="horz" wrap="none" lIns="90004" tIns="44997" rIns="90004" bIns="44997" anchor="t" anchorCtr="1" compatLnSpc="0">
-            <a:spAutoFit/>
-          </a:bodyPr>
-          <a:lstStyle/>
-          <a:p>
-            <a:pPr marL="0" marR="0" lvl="0" indent="0" algn="ctr" defTabSz="914400" rtl="0" fontAlgn="auto" hangingPunct="0">
-              <a:lnSpc>
-                <a:spcPct val="100000"/>
-              </a:lnSpc>
-              <a:spcBef>
-                <a:spcPts val="0"/>
-              </a:spcBef>
-              <a:spcAft>
-                <a:spcPts val="0"/>
-              </a:spcAft>
-              <a:buNone/>
-              <a:tabLst/>
-              <a:defRPr sz="1200" b="1" i="0" u="none" strike="noStrike" kern="0" cap="none" spc="0" baseline="0">
-                <a:solidFill>
-                  <a:srgbClr val="000000"/>
-                </a:solidFill>
-                <a:uFillTx/>
-              </a:defRPr>
-            </a:pPr>
-            <a:r>
-              <a:rPr lang="en-IN" sz="1400" b="1" i="0" u="none" strike="noStrike" kern="1200" cap="none" spc="0" baseline="0">
-                <a:solidFill>
-                  <a:srgbClr val="000000"/>
-                </a:solidFill>
-                <a:uFillTx/>
-                <a:latin typeface="Liberation Sans" pitchFamily="18"/>
-                <a:ea typeface="Noto Sans CJK SC" pitchFamily="2"/>
-                <a:cs typeface="Lohit Devanagari" pitchFamily="2"/>
-              </a:rPr>
-              <a:t>stems with girth </a:t>
-            </a:r>
-            <a:r>
-              <a:rPr lang="en-IN" sz="1400" b="1" i="0" u="none" strike="noStrike" kern="1200" cap="none" spc="0" baseline="0">
-                <a:solidFill>
-                  <a:srgbClr val="000000"/>
-                </a:solidFill>
-                <a:uFillTx/>
-                <a:latin typeface="Liberation Sans" pitchFamily="34"/>
-                <a:ea typeface="Liberation Sans" pitchFamily="34"/>
-                <a:cs typeface="Liberation Sans" pitchFamily="34"/>
-              </a:rPr>
-              <a:t>≥3</a:t>
-            </a:r>
-            <a:r>
-              <a:rPr lang="en-IN" sz="1400" b="1" i="0" u="none" strike="noStrike" kern="1200" cap="none" spc="0" baseline="0">
-                <a:solidFill>
-                  <a:srgbClr val="000000"/>
-                </a:solidFill>
-                <a:uFillTx/>
-                <a:latin typeface="Liberation Sans" pitchFamily="18"/>
-                <a:ea typeface="Noto Sans CJK SC" pitchFamily="2"/>
-                <a:cs typeface="Lohit Devanagari" pitchFamily="2"/>
-              </a:rPr>
-              <a:t>0cm</a:t>
-            </a:r>
-            <a:br>
-              <a:rPr lang="en-IN" sz="1400" b="1" i="0" u="none" strike="noStrike" kern="1200" cap="none" spc="0" baseline="0">
-                <a:solidFill>
-                  <a:srgbClr val="000000"/>
-                </a:solidFill>
-                <a:uFillTx/>
-                <a:latin typeface="Liberation Sans" pitchFamily="18"/>
-                <a:ea typeface="Noto Sans CJK SC" pitchFamily="2"/>
-                <a:cs typeface="Lohit Devanagari" pitchFamily="2"/>
-              </a:rPr>
-            </a:br>
-            <a:r>
-              <a:rPr lang="en-IN" sz="1400" b="1" i="0" u="none" strike="noStrike" kern="1200" cap="none" spc="0" baseline="0">
-                <a:solidFill>
-                  <a:srgbClr val="000000"/>
-                </a:solidFill>
-                <a:uFillTx/>
-                <a:latin typeface="Liberation Sans" pitchFamily="18"/>
-                <a:ea typeface="Noto Sans CJK SC" pitchFamily="2"/>
-                <a:cs typeface="Lohit Devanagari" pitchFamily="2"/>
-              </a:rPr>
-              <a:t>recorded (0.05ha)</a:t>
-            </a:r>
-          </a:p>
-        </p:txBody>
-      </p:sp>
-      <p:sp>
-        <p:nvSpPr>
-          <p:cNvPr id="12" name="TextBox 11">
-            <a:extLst>
-              <a:ext uri="{FF2B5EF4-FFF2-40B4-BE49-F238E27FC236}">
-                <a16:creationId xmlns:a16="http://schemas.microsoft.com/office/drawing/2014/main" id="{38BDDA5A-B898-5AFA-9579-070F542D5EE1}"/>
-              </a:ext>
-            </a:extLst>
-          </p:cNvPr>
-          <p:cNvSpPr txBox="1"/>
-          <p:nvPr/>
-        </p:nvSpPr>
-        <p:spPr>
-          <a:xfrm>
-            <a:off x="8694718" y="3600358"/>
-            <a:ext cx="1145523" cy="487082"/>
-          </a:xfrm>
-          <a:prstGeom prst="rect">
-            <a:avLst/>
-          </a:prstGeom>
-          <a:noFill/>
-          <a:ln cap="flat">
-            <a:noFill/>
-          </a:ln>
-        </p:spPr>
-        <p:txBody>
-          <a:bodyPr vert="horz" wrap="none" lIns="90004" tIns="44997" rIns="90004" bIns="44997" anchor="t" anchorCtr="1" compatLnSpc="0">
-            <a:spAutoFit/>
-          </a:bodyPr>
-          <a:lstStyle/>
-          <a:p>
-            <a:pPr marL="0" marR="0" lvl="0" indent="0" algn="ctr" defTabSz="914400" rtl="0" fontAlgn="auto" hangingPunct="0">
-              <a:lnSpc>
-                <a:spcPct val="100000"/>
-              </a:lnSpc>
-              <a:spcBef>
-                <a:spcPts val="0"/>
-              </a:spcBef>
-              <a:spcAft>
-                <a:spcPts val="0"/>
-              </a:spcAft>
-              <a:buNone/>
-              <a:tabLst/>
-              <a:defRPr sz="1200" b="1" i="0" u="none" strike="noStrike" kern="0" cap="none" spc="0" baseline="0">
-                <a:solidFill>
-                  <a:srgbClr val="000000"/>
-                </a:solidFill>
-                <a:uFillTx/>
-              </a:defRPr>
-            </a:pPr>
-            <a:r>
-              <a:rPr lang="en-IN" sz="1400" b="1" i="0" u="none" strike="noStrike" kern="1200" cap="none" spc="0" baseline="0">
-                <a:solidFill>
-                  <a:srgbClr val="000000"/>
-                </a:solidFill>
-                <a:uFillTx/>
-                <a:latin typeface="Liberation Sans" pitchFamily="18"/>
-                <a:ea typeface="Noto Sans CJK SC" pitchFamily="2"/>
-                <a:cs typeface="Lohit Devanagari" pitchFamily="2"/>
-              </a:rPr>
-              <a:t>direction of</a:t>
-            </a:r>
-            <a:br>
-              <a:rPr lang="en-IN" sz="1400" b="1" i="0" u="none" strike="noStrike" kern="1200" cap="none" spc="0" baseline="0">
-                <a:solidFill>
-                  <a:srgbClr val="000000"/>
-                </a:solidFill>
-                <a:uFillTx/>
-                <a:latin typeface="Liberation Sans" pitchFamily="18"/>
-                <a:ea typeface="Noto Sans CJK SC" pitchFamily="2"/>
-                <a:cs typeface="Lohit Devanagari" pitchFamily="2"/>
-              </a:rPr>
-            </a:br>
-            <a:r>
-              <a:rPr lang="en-IN" sz="1400" b="1" i="0" u="none" strike="noStrike" kern="1200" cap="none" spc="0" baseline="0">
-                <a:solidFill>
-                  <a:srgbClr val="000000"/>
-                </a:solidFill>
-                <a:uFillTx/>
-                <a:latin typeface="Liberation Sans" pitchFamily="18"/>
-                <a:ea typeface="Noto Sans CJK SC" pitchFamily="2"/>
-                <a:cs typeface="Lohit Devanagari" pitchFamily="2"/>
-              </a:rPr>
-              <a:t>treefall</a:t>
-            </a:r>
-          </a:p>
-        </p:txBody>
-      </p:sp>
-      <p:sp>
-        <p:nvSpPr>
-          <p:cNvPr id="13" name="TextBox 12">
-            <a:extLst>
-              <a:ext uri="{FF2B5EF4-FFF2-40B4-BE49-F238E27FC236}">
-                <a16:creationId xmlns:a16="http://schemas.microsoft.com/office/drawing/2014/main" id="{F77E583B-BF44-9C64-92D7-F14BB23D41BB}"/>
-              </a:ext>
-            </a:extLst>
-          </p:cNvPr>
-          <p:cNvSpPr txBox="1"/>
-          <p:nvPr/>
-        </p:nvSpPr>
-        <p:spPr>
-          <a:xfrm>
-            <a:off x="1738438" y="2364839"/>
-            <a:ext cx="752395" cy="302035"/>
-          </a:xfrm>
-          <a:prstGeom prst="rect">
-            <a:avLst/>
-          </a:prstGeom>
-          <a:noFill/>
-          <a:ln cap="flat">
-            <a:noFill/>
-          </a:ln>
-        </p:spPr>
-        <p:txBody>
-          <a:bodyPr vert="horz" wrap="none" lIns="90004" tIns="44997" rIns="90004" bIns="44997" anchor="t" anchorCtr="0" compatLnSpc="0">
-            <a:spAutoFit/>
-          </a:bodyPr>
-          <a:lstStyle/>
-          <a:p>
-            <a:pPr marL="0" marR="0" lvl="0" indent="0" algn="l" defTabSz="914400" rtl="0" fontAlgn="auto" hangingPunct="0">
-              <a:lnSpc>
-                <a:spcPct val="100000"/>
-              </a:lnSpc>
-              <a:spcBef>
-                <a:spcPts val="0"/>
-              </a:spcBef>
-              <a:spcAft>
-                <a:spcPts val="0"/>
-              </a:spcAft>
-              <a:buNone/>
-              <a:tabLst/>
-              <a:defRPr sz="1800" b="1" i="0" u="none" strike="noStrike" kern="0" cap="none" spc="0" baseline="0">
-                <a:solidFill>
-                  <a:srgbClr val="000000"/>
-                </a:solidFill>
-                <a:uFillTx/>
-              </a:defRPr>
-            </a:pPr>
-            <a:r>
-              <a:rPr lang="en-IN" sz="1500" b="1" i="0" u="none" strike="noStrike" kern="1200" cap="none" spc="0" baseline="0">
-                <a:solidFill>
-                  <a:srgbClr val="000000"/>
-                </a:solidFill>
-                <a:uFillTx/>
-                <a:latin typeface="Liberation Sans" pitchFamily="18"/>
-                <a:ea typeface="Noto Sans CJK SC" pitchFamily="2"/>
-                <a:cs typeface="Lohit Devanagari" pitchFamily="2"/>
-              </a:rPr>
-              <a:t>stump</a:t>
-            </a:r>
-          </a:p>
-        </p:txBody>
-      </p:sp>
-      <p:sp>
-        <p:nvSpPr>
-          <p:cNvPr id="14" name="TextBox 13">
-            <a:extLst>
-              <a:ext uri="{FF2B5EF4-FFF2-40B4-BE49-F238E27FC236}">
-                <a16:creationId xmlns:a16="http://schemas.microsoft.com/office/drawing/2014/main" id="{16320BED-AB42-609E-25EE-D675E4C3E0B2}"/>
-              </a:ext>
-            </a:extLst>
-          </p:cNvPr>
-          <p:cNvSpPr txBox="1"/>
-          <p:nvPr/>
-        </p:nvSpPr>
-        <p:spPr>
-          <a:xfrm rot="365398">
-            <a:off x="5114020" y="2885052"/>
-            <a:ext cx="726481" cy="513719"/>
-          </a:xfrm>
-          <a:prstGeom prst="rect">
-            <a:avLst/>
-          </a:prstGeom>
-          <a:noFill/>
-          <a:ln cap="flat">
-            <a:noFill/>
-          </a:ln>
-        </p:spPr>
-        <p:txBody>
-          <a:bodyPr vert="horz" wrap="none" lIns="90004" tIns="44997" rIns="90004" bIns="44997" anchor="t" anchorCtr="0" compatLnSpc="0">
-            <a:spAutoFit/>
-          </a:bodyPr>
-          <a:lstStyle/>
-          <a:p>
-            <a:pPr marL="0" marR="0" lvl="0" indent="0" algn="l" defTabSz="914400" rtl="0" fontAlgn="auto" hangingPunct="0">
-              <a:lnSpc>
-                <a:spcPct val="100000"/>
-              </a:lnSpc>
-              <a:spcBef>
-                <a:spcPts val="0"/>
-              </a:spcBef>
-              <a:spcAft>
-                <a:spcPts val="0"/>
-              </a:spcAft>
-              <a:buNone/>
-              <a:tabLst/>
-              <a:defRPr sz="1800" b="1" i="0" u="none" strike="noStrike" kern="0" cap="none" spc="0" baseline="0">
-                <a:solidFill>
-                  <a:srgbClr val="000000"/>
-                </a:solidFill>
-                <a:uFillTx/>
-              </a:defRPr>
-            </a:pPr>
-            <a:r>
-              <a:rPr lang="en-IN" sz="1500" b="1" i="0" u="none" strike="noStrike" kern="1200" cap="none" spc="0" baseline="0">
-                <a:solidFill>
-                  <a:srgbClr val="000000"/>
-                </a:solidFill>
-                <a:uFillTx/>
-                <a:latin typeface="Liberation Sans" pitchFamily="18"/>
-                <a:ea typeface="Noto Sans CJK SC" pitchFamily="2"/>
-                <a:cs typeface="Lohit Devanagari" pitchFamily="2"/>
-              </a:rPr>
-              <a:t>50 m</a:t>
-            </a:r>
-          </a:p>
-        </p:txBody>
-      </p:sp>
-      <p:sp>
-        <p:nvSpPr>
-          <p:cNvPr id="15" name="TextBox 14">
-            <a:extLst>
-              <a:ext uri="{FF2B5EF4-FFF2-40B4-BE49-F238E27FC236}">
-                <a16:creationId xmlns:a16="http://schemas.microsoft.com/office/drawing/2014/main" id="{B2437885-3F6B-3554-AC46-2923F48474A3}"/>
-              </a:ext>
-            </a:extLst>
-          </p:cNvPr>
-          <p:cNvSpPr txBox="1"/>
-          <p:nvPr/>
-        </p:nvSpPr>
-        <p:spPr>
-          <a:xfrm rot="365398">
-            <a:off x="2063399" y="3696655"/>
-            <a:ext cx="616680" cy="302035"/>
-          </a:xfrm>
-          <a:prstGeom prst="rect">
-            <a:avLst/>
-          </a:prstGeom>
-          <a:noFill/>
-          <a:ln cap="flat">
-            <a:noFill/>
-          </a:ln>
-        </p:spPr>
-        <p:txBody>
-          <a:bodyPr vert="horz" wrap="none" lIns="90004" tIns="44997" rIns="90004" bIns="44997" anchor="t" anchorCtr="0" compatLnSpc="0">
-            <a:spAutoFit/>
-          </a:bodyPr>
-          <a:lstStyle/>
-          <a:p>
-            <a:pPr marL="0" marR="0" lvl="0" indent="0" algn="l" defTabSz="914400" rtl="0" fontAlgn="auto" hangingPunct="0">
-              <a:lnSpc>
-                <a:spcPct val="100000"/>
-              </a:lnSpc>
-              <a:spcBef>
-                <a:spcPts val="0"/>
-              </a:spcBef>
-              <a:spcAft>
-                <a:spcPts val="0"/>
-              </a:spcAft>
-              <a:buNone/>
-              <a:tabLst/>
-              <a:defRPr sz="1800" b="1" i="0" u="none" strike="noStrike" kern="0" cap="none" spc="0" baseline="0">
-                <a:solidFill>
-                  <a:srgbClr val="000000"/>
-                </a:solidFill>
-                <a:uFillTx/>
-              </a:defRPr>
-            </a:pPr>
-            <a:r>
-              <a:rPr lang="en-IN" sz="1500" b="1" i="0" u="none" strike="noStrike" kern="1200" cap="none" spc="0" baseline="0">
-                <a:solidFill>
-                  <a:srgbClr val="000000"/>
-                </a:solidFill>
-                <a:uFillTx/>
-                <a:latin typeface="Liberation Sans" pitchFamily="18"/>
-                <a:ea typeface="Noto Sans CJK SC" pitchFamily="2"/>
-                <a:cs typeface="Lohit Devanagari" pitchFamily="2"/>
-              </a:rPr>
-              <a:t>10 m</a:t>
-            </a:r>
-          </a:p>
-        </p:txBody>
-      </p:sp>
-      <p:sp>
-        <p:nvSpPr>
-          <p:cNvPr id="16" name="TextBox 15">
-            <a:extLst>
-              <a:ext uri="{FF2B5EF4-FFF2-40B4-BE49-F238E27FC236}">
-                <a16:creationId xmlns:a16="http://schemas.microsoft.com/office/drawing/2014/main" id="{B1FBB92F-BD26-2177-1BD5-D0383198E7A3}"/>
-              </a:ext>
-            </a:extLst>
-          </p:cNvPr>
-          <p:cNvSpPr txBox="1"/>
-          <p:nvPr/>
-        </p:nvSpPr>
-        <p:spPr>
-          <a:xfrm rot="2116208">
-            <a:off x="7635442" y="4246047"/>
-            <a:ext cx="616680" cy="302035"/>
-          </a:xfrm>
-          <a:prstGeom prst="rect">
-            <a:avLst/>
-          </a:prstGeom>
-          <a:noFill/>
-          <a:ln cap="flat">
-            <a:noFill/>
-          </a:ln>
-        </p:spPr>
-        <p:txBody>
-          <a:bodyPr vert="horz" wrap="none" lIns="90004" tIns="44997" rIns="90004" bIns="44997" anchor="t" anchorCtr="0" compatLnSpc="0">
-            <a:spAutoFit/>
-          </a:bodyPr>
-          <a:lstStyle/>
-          <a:p>
-            <a:pPr marL="0" marR="0" lvl="0" indent="0" algn="l" defTabSz="914400" rtl="0" fontAlgn="auto" hangingPunct="0">
-              <a:lnSpc>
-                <a:spcPct val="100000"/>
-              </a:lnSpc>
-              <a:spcBef>
-                <a:spcPts val="0"/>
-              </a:spcBef>
-              <a:spcAft>
-                <a:spcPts val="0"/>
-              </a:spcAft>
-              <a:buNone/>
-              <a:tabLst/>
-              <a:defRPr sz="1800" b="1" i="0" u="none" strike="noStrike" kern="0" cap="none" spc="0" baseline="0">
-                <a:solidFill>
-                  <a:srgbClr val="000000"/>
-                </a:solidFill>
-                <a:uFillTx/>
-              </a:defRPr>
-            </a:pPr>
-            <a:r>
-              <a:rPr lang="en-IN" sz="1500" b="1" i="0" u="none" strike="noStrike" kern="1200" cap="none" spc="0" baseline="0">
-                <a:solidFill>
-                  <a:srgbClr val="000000"/>
-                </a:solidFill>
-                <a:uFillTx/>
-                <a:latin typeface="Liberation Sans" pitchFamily="18"/>
-                <a:ea typeface="Noto Sans CJK SC" pitchFamily="2"/>
-                <a:cs typeface="Lohit Devanagari" pitchFamily="2"/>
-              </a:rPr>
-              <a:t>10 m</a:t>
-            </a:r>
-          </a:p>
-        </p:txBody>
-      </p:sp>
-    </p:spTree>
-  </p:cSld>
-  <p:clrMapOvr>
-    <a:masterClrMapping/>
-  </p:clrMapOvr>
-</p:sld>
-</file>
-
 <file path=ppt/theme/theme1.xml><?xml version="1.0" encoding="utf-8"?>
 <a:theme xmlns:a="http://schemas.openxmlformats.org/drawingml/2006/main" name="Default">
   <a:themeElements>
